--- a/src/CV_AlexYates_US.pptx
+++ b/src/CV_AlexYates_US.pptx
@@ -243,7 +243,7 @@
           <a:p>
             <a:fld id="{335876D0-9B75-44B5-9404-8FDAD3FB5281}" type="datetimeFigureOut">
               <a:rPr lang="en-GB" smtClean="0"/>
-              <a:t>26/05/2022</a:t>
+              <a:t>27/05/2022</a:t>
             </a:fld>
             <a:endParaRPr lang="en-GB"/>
           </a:p>
@@ -413,7 +413,7 @@
           <a:p>
             <a:fld id="{335876D0-9B75-44B5-9404-8FDAD3FB5281}" type="datetimeFigureOut">
               <a:rPr lang="en-GB" smtClean="0"/>
-              <a:t>26/05/2022</a:t>
+              <a:t>27/05/2022</a:t>
             </a:fld>
             <a:endParaRPr lang="en-GB"/>
           </a:p>
@@ -593,7 +593,7 @@
           <a:p>
             <a:fld id="{335876D0-9B75-44B5-9404-8FDAD3FB5281}" type="datetimeFigureOut">
               <a:rPr lang="en-GB" smtClean="0"/>
-              <a:t>26/05/2022</a:t>
+              <a:t>27/05/2022</a:t>
             </a:fld>
             <a:endParaRPr lang="en-GB"/>
           </a:p>
@@ -763,7 +763,7 @@
           <a:p>
             <a:fld id="{335876D0-9B75-44B5-9404-8FDAD3FB5281}" type="datetimeFigureOut">
               <a:rPr lang="en-GB" smtClean="0"/>
-              <a:t>26/05/2022</a:t>
+              <a:t>27/05/2022</a:t>
             </a:fld>
             <a:endParaRPr lang="en-GB"/>
           </a:p>
@@ -1007,7 +1007,7 @@
           <a:p>
             <a:fld id="{335876D0-9B75-44B5-9404-8FDAD3FB5281}" type="datetimeFigureOut">
               <a:rPr lang="en-GB" smtClean="0"/>
-              <a:t>26/05/2022</a:t>
+              <a:t>27/05/2022</a:t>
             </a:fld>
             <a:endParaRPr lang="en-GB"/>
           </a:p>
@@ -1239,7 +1239,7 @@
           <a:p>
             <a:fld id="{335876D0-9B75-44B5-9404-8FDAD3FB5281}" type="datetimeFigureOut">
               <a:rPr lang="en-GB" smtClean="0"/>
-              <a:t>26/05/2022</a:t>
+              <a:t>27/05/2022</a:t>
             </a:fld>
             <a:endParaRPr lang="en-GB"/>
           </a:p>
@@ -1606,7 +1606,7 @@
           <a:p>
             <a:fld id="{335876D0-9B75-44B5-9404-8FDAD3FB5281}" type="datetimeFigureOut">
               <a:rPr lang="en-GB" smtClean="0"/>
-              <a:t>26/05/2022</a:t>
+              <a:t>27/05/2022</a:t>
             </a:fld>
             <a:endParaRPr lang="en-GB"/>
           </a:p>
@@ -1724,7 +1724,7 @@
           <a:p>
             <a:fld id="{335876D0-9B75-44B5-9404-8FDAD3FB5281}" type="datetimeFigureOut">
               <a:rPr lang="en-GB" smtClean="0"/>
-              <a:t>26/05/2022</a:t>
+              <a:t>27/05/2022</a:t>
             </a:fld>
             <a:endParaRPr lang="en-GB"/>
           </a:p>
@@ -1819,7 +1819,7 @@
           <a:p>
             <a:fld id="{335876D0-9B75-44B5-9404-8FDAD3FB5281}" type="datetimeFigureOut">
               <a:rPr lang="en-GB" smtClean="0"/>
-              <a:t>26/05/2022</a:t>
+              <a:t>27/05/2022</a:t>
             </a:fld>
             <a:endParaRPr lang="en-GB"/>
           </a:p>
@@ -2096,7 +2096,7 @@
           <a:p>
             <a:fld id="{335876D0-9B75-44B5-9404-8FDAD3FB5281}" type="datetimeFigureOut">
               <a:rPr lang="en-GB" smtClean="0"/>
-              <a:t>26/05/2022</a:t>
+              <a:t>27/05/2022</a:t>
             </a:fld>
             <a:endParaRPr lang="en-GB"/>
           </a:p>
@@ -2353,7 +2353,7 @@
           <a:p>
             <a:fld id="{335876D0-9B75-44B5-9404-8FDAD3FB5281}" type="datetimeFigureOut">
               <a:rPr lang="en-GB" smtClean="0"/>
-              <a:t>26/05/2022</a:t>
+              <a:t>27/05/2022</a:t>
             </a:fld>
             <a:endParaRPr lang="en-GB"/>
           </a:p>
@@ -2566,7 +2566,7 @@
           <a:p>
             <a:fld id="{335876D0-9B75-44B5-9404-8FDAD3FB5281}" type="datetimeFigureOut">
               <a:rPr lang="en-GB" smtClean="0"/>
-              <a:t>26/05/2022</a:t>
+              <a:t>27/05/2022</a:t>
             </a:fld>
             <a:endParaRPr lang="en-GB"/>
           </a:p>
@@ -6631,9 +6631,7 @@
           <a:prstGeom prst="ellipse">
             <a:avLst/>
           </a:prstGeom>
-          <a:solidFill>
-            <a:schemeClr val="bg1"/>
-          </a:solidFill>
+          <a:noFill/>
           <a:ln>
             <a:solidFill>
               <a:schemeClr val="bg1"/>

--- a/src/CV_AlexYates_US.pptx
+++ b/src/CV_AlexYates_US.pptx
@@ -244,7 +244,7 @@
           <a:p>
             <a:fld id="{335876D0-9B75-44B5-9404-8FDAD3FB5281}" type="datetimeFigureOut">
               <a:rPr lang="en-GB" smtClean="0"/>
-              <a:t>07/11/2022</a:t>
+              <a:t>08/11/2022</a:t>
             </a:fld>
             <a:endParaRPr lang="en-GB"/>
           </a:p>
@@ -414,7 +414,7 @@
           <a:p>
             <a:fld id="{335876D0-9B75-44B5-9404-8FDAD3FB5281}" type="datetimeFigureOut">
               <a:rPr lang="en-GB" smtClean="0"/>
-              <a:t>07/11/2022</a:t>
+              <a:t>08/11/2022</a:t>
             </a:fld>
             <a:endParaRPr lang="en-GB"/>
           </a:p>
@@ -594,7 +594,7 @@
           <a:p>
             <a:fld id="{335876D0-9B75-44B5-9404-8FDAD3FB5281}" type="datetimeFigureOut">
               <a:rPr lang="en-GB" smtClean="0"/>
-              <a:t>07/11/2022</a:t>
+              <a:t>08/11/2022</a:t>
             </a:fld>
             <a:endParaRPr lang="en-GB"/>
           </a:p>
@@ -764,7 +764,7 @@
           <a:p>
             <a:fld id="{335876D0-9B75-44B5-9404-8FDAD3FB5281}" type="datetimeFigureOut">
               <a:rPr lang="en-GB" smtClean="0"/>
-              <a:t>07/11/2022</a:t>
+              <a:t>08/11/2022</a:t>
             </a:fld>
             <a:endParaRPr lang="en-GB"/>
           </a:p>
@@ -1008,7 +1008,7 @@
           <a:p>
             <a:fld id="{335876D0-9B75-44B5-9404-8FDAD3FB5281}" type="datetimeFigureOut">
               <a:rPr lang="en-GB" smtClean="0"/>
-              <a:t>07/11/2022</a:t>
+              <a:t>08/11/2022</a:t>
             </a:fld>
             <a:endParaRPr lang="en-GB"/>
           </a:p>
@@ -1240,7 +1240,7 @@
           <a:p>
             <a:fld id="{335876D0-9B75-44B5-9404-8FDAD3FB5281}" type="datetimeFigureOut">
               <a:rPr lang="en-GB" smtClean="0"/>
-              <a:t>07/11/2022</a:t>
+              <a:t>08/11/2022</a:t>
             </a:fld>
             <a:endParaRPr lang="en-GB"/>
           </a:p>
@@ -1607,7 +1607,7 @@
           <a:p>
             <a:fld id="{335876D0-9B75-44B5-9404-8FDAD3FB5281}" type="datetimeFigureOut">
               <a:rPr lang="en-GB" smtClean="0"/>
-              <a:t>07/11/2022</a:t>
+              <a:t>08/11/2022</a:t>
             </a:fld>
             <a:endParaRPr lang="en-GB"/>
           </a:p>
@@ -1725,7 +1725,7 @@
           <a:p>
             <a:fld id="{335876D0-9B75-44B5-9404-8FDAD3FB5281}" type="datetimeFigureOut">
               <a:rPr lang="en-GB" smtClean="0"/>
-              <a:t>07/11/2022</a:t>
+              <a:t>08/11/2022</a:t>
             </a:fld>
             <a:endParaRPr lang="en-GB"/>
           </a:p>
@@ -1820,7 +1820,7 @@
           <a:p>
             <a:fld id="{335876D0-9B75-44B5-9404-8FDAD3FB5281}" type="datetimeFigureOut">
               <a:rPr lang="en-GB" smtClean="0"/>
-              <a:t>07/11/2022</a:t>
+              <a:t>08/11/2022</a:t>
             </a:fld>
             <a:endParaRPr lang="en-GB"/>
           </a:p>
@@ -2097,7 +2097,7 @@
           <a:p>
             <a:fld id="{335876D0-9B75-44B5-9404-8FDAD3FB5281}" type="datetimeFigureOut">
               <a:rPr lang="en-GB" smtClean="0"/>
-              <a:t>07/11/2022</a:t>
+              <a:t>08/11/2022</a:t>
             </a:fld>
             <a:endParaRPr lang="en-GB"/>
           </a:p>
@@ -2354,7 +2354,7 @@
           <a:p>
             <a:fld id="{335876D0-9B75-44B5-9404-8FDAD3FB5281}" type="datetimeFigureOut">
               <a:rPr lang="en-GB" smtClean="0"/>
-              <a:t>07/11/2022</a:t>
+              <a:t>08/11/2022</a:t>
             </a:fld>
             <a:endParaRPr lang="en-GB"/>
           </a:p>
@@ -2567,7 +2567,7 @@
           <a:p>
             <a:fld id="{335876D0-9B75-44B5-9404-8FDAD3FB5281}" type="datetimeFigureOut">
               <a:rPr lang="en-GB" smtClean="0"/>
-              <a:t>07/11/2022</a:t>
+              <a:t>08/11/2022</a:t>
             </a:fld>
             <a:endParaRPr lang="en-GB"/>
           </a:p>
@@ -8495,7 +8495,7 @@
                   <a:srgbClr val="262F3B"/>
                 </a:solidFill>
               </a:rPr>
-              <a:t>Doubled revenue in 12 months. Tripled revenue 36 months.</a:t>
+              <a:t>Doubled revenue in 12 months. Tripled revenue in 36 months.</a:t>
             </a:r>
           </a:p>
           <a:p>
@@ -9652,7 +9652,7 @@
                   </a:solidFill>
                   <a:effectLst/>
                 </a:rPr>
-                <a:t>, PASS President, Redgate</a:t>
+                <a:t>, Dev Advocate, Redgate</a:t>
               </a:r>
               <a:endParaRPr lang="en-GB" sz="1000" dirty="0">
                 <a:solidFill>

--- a/src/CV_AlexYates_US.pptx
+++ b/src/CV_AlexYates_US.pptx
@@ -244,7 +244,7 @@
           <a:p>
             <a:fld id="{335876D0-9B75-44B5-9404-8FDAD3FB5281}" type="datetimeFigureOut">
               <a:rPr lang="en-GB" smtClean="0"/>
-              <a:t>08/11/2022</a:t>
+              <a:t>10/11/2022</a:t>
             </a:fld>
             <a:endParaRPr lang="en-GB"/>
           </a:p>
@@ -414,7 +414,7 @@
           <a:p>
             <a:fld id="{335876D0-9B75-44B5-9404-8FDAD3FB5281}" type="datetimeFigureOut">
               <a:rPr lang="en-GB" smtClean="0"/>
-              <a:t>08/11/2022</a:t>
+              <a:t>10/11/2022</a:t>
             </a:fld>
             <a:endParaRPr lang="en-GB"/>
           </a:p>
@@ -594,7 +594,7 @@
           <a:p>
             <a:fld id="{335876D0-9B75-44B5-9404-8FDAD3FB5281}" type="datetimeFigureOut">
               <a:rPr lang="en-GB" smtClean="0"/>
-              <a:t>08/11/2022</a:t>
+              <a:t>10/11/2022</a:t>
             </a:fld>
             <a:endParaRPr lang="en-GB"/>
           </a:p>
@@ -764,7 +764,7 @@
           <a:p>
             <a:fld id="{335876D0-9B75-44B5-9404-8FDAD3FB5281}" type="datetimeFigureOut">
               <a:rPr lang="en-GB" smtClean="0"/>
-              <a:t>08/11/2022</a:t>
+              <a:t>10/11/2022</a:t>
             </a:fld>
             <a:endParaRPr lang="en-GB"/>
           </a:p>
@@ -1008,7 +1008,7 @@
           <a:p>
             <a:fld id="{335876D0-9B75-44B5-9404-8FDAD3FB5281}" type="datetimeFigureOut">
               <a:rPr lang="en-GB" smtClean="0"/>
-              <a:t>08/11/2022</a:t>
+              <a:t>10/11/2022</a:t>
             </a:fld>
             <a:endParaRPr lang="en-GB"/>
           </a:p>
@@ -1240,7 +1240,7 @@
           <a:p>
             <a:fld id="{335876D0-9B75-44B5-9404-8FDAD3FB5281}" type="datetimeFigureOut">
               <a:rPr lang="en-GB" smtClean="0"/>
-              <a:t>08/11/2022</a:t>
+              <a:t>10/11/2022</a:t>
             </a:fld>
             <a:endParaRPr lang="en-GB"/>
           </a:p>
@@ -1607,7 +1607,7 @@
           <a:p>
             <a:fld id="{335876D0-9B75-44B5-9404-8FDAD3FB5281}" type="datetimeFigureOut">
               <a:rPr lang="en-GB" smtClean="0"/>
-              <a:t>08/11/2022</a:t>
+              <a:t>10/11/2022</a:t>
             </a:fld>
             <a:endParaRPr lang="en-GB"/>
           </a:p>
@@ -1725,7 +1725,7 @@
           <a:p>
             <a:fld id="{335876D0-9B75-44B5-9404-8FDAD3FB5281}" type="datetimeFigureOut">
               <a:rPr lang="en-GB" smtClean="0"/>
-              <a:t>08/11/2022</a:t>
+              <a:t>10/11/2022</a:t>
             </a:fld>
             <a:endParaRPr lang="en-GB"/>
           </a:p>
@@ -1820,7 +1820,7 @@
           <a:p>
             <a:fld id="{335876D0-9B75-44B5-9404-8FDAD3FB5281}" type="datetimeFigureOut">
               <a:rPr lang="en-GB" smtClean="0"/>
-              <a:t>08/11/2022</a:t>
+              <a:t>10/11/2022</a:t>
             </a:fld>
             <a:endParaRPr lang="en-GB"/>
           </a:p>
@@ -2097,7 +2097,7 @@
           <a:p>
             <a:fld id="{335876D0-9B75-44B5-9404-8FDAD3FB5281}" type="datetimeFigureOut">
               <a:rPr lang="en-GB" smtClean="0"/>
-              <a:t>08/11/2022</a:t>
+              <a:t>10/11/2022</a:t>
             </a:fld>
             <a:endParaRPr lang="en-GB"/>
           </a:p>
@@ -2354,7 +2354,7 @@
           <a:p>
             <a:fld id="{335876D0-9B75-44B5-9404-8FDAD3FB5281}" type="datetimeFigureOut">
               <a:rPr lang="en-GB" smtClean="0"/>
-              <a:t>08/11/2022</a:t>
+              <a:t>10/11/2022</a:t>
             </a:fld>
             <a:endParaRPr lang="en-GB"/>
           </a:p>
@@ -2567,7 +2567,7 @@
           <a:p>
             <a:fld id="{335876D0-9B75-44B5-9404-8FDAD3FB5281}" type="datetimeFigureOut">
               <a:rPr lang="en-GB" smtClean="0"/>
-              <a:t>08/11/2022</a:t>
+              <a:t>10/11/2022</a:t>
             </a:fld>
             <a:endParaRPr lang="en-GB"/>
           </a:p>
@@ -2972,234 +2972,6 @@
           <a:chExt cx="0" cy="0"/>
         </a:xfrm>
       </p:grpSpPr>
-      <p:grpSp>
-        <p:nvGrpSpPr>
-          <p:cNvPr id="6" name="Group 5">
-            <a:extLst>
-              <a:ext uri="{FF2B5EF4-FFF2-40B4-BE49-F238E27FC236}">
-                <a16:creationId xmlns:a16="http://schemas.microsoft.com/office/drawing/2014/main" id="{66CFEC76-8FEB-21AA-DBDE-41A6BF6046DA}"/>
-              </a:ext>
-            </a:extLst>
-          </p:cNvPr>
-          <p:cNvGrpSpPr/>
-          <p:nvPr/>
-        </p:nvGrpSpPr>
-        <p:grpSpPr>
-          <a:xfrm>
-            <a:off x="2246100" y="4585578"/>
-            <a:ext cx="4271935" cy="4349307"/>
-            <a:chOff x="2550912" y="4909418"/>
-            <a:chExt cx="4271935" cy="4349307"/>
-          </a:xfrm>
-        </p:grpSpPr>
-        <p:pic>
-          <p:nvPicPr>
-            <p:cNvPr id="7" name="Picture 6">
-              <a:extLst>
-                <a:ext uri="{FF2B5EF4-FFF2-40B4-BE49-F238E27FC236}">
-                  <a16:creationId xmlns:a16="http://schemas.microsoft.com/office/drawing/2014/main" id="{3045501D-CCFB-1CDD-82B3-DF3E2D1588EA}"/>
-                </a:ext>
-              </a:extLst>
-            </p:cNvPr>
-            <p:cNvPicPr>
-              <a:picLocks noChangeAspect="1"/>
-            </p:cNvPicPr>
-            <p:nvPr/>
-          </p:nvPicPr>
-          <p:blipFill rotWithShape="1">
-            <a:blip r:embed="rId2"/>
-            <a:srcRect l="64" t="48489" r="81799"/>
-            <a:stretch/>
-          </p:blipFill>
-          <p:spPr>
-            <a:xfrm>
-              <a:off x="2550912" y="6934189"/>
-              <a:ext cx="801888" cy="2323755"/>
-            </a:xfrm>
-            <a:prstGeom prst="rect">
-              <a:avLst/>
-            </a:prstGeom>
-          </p:spPr>
-        </p:pic>
-        <p:pic>
-          <p:nvPicPr>
-            <p:cNvPr id="8" name="Picture 7" descr="A picture containing graphical user interface&#10;&#10;Description automatically generated">
-              <a:extLst>
-                <a:ext uri="{FF2B5EF4-FFF2-40B4-BE49-F238E27FC236}">
-                  <a16:creationId xmlns:a16="http://schemas.microsoft.com/office/drawing/2014/main" id="{06505967-849A-9F86-AEE1-64AB8B843529}"/>
-                </a:ext>
-              </a:extLst>
-            </p:cNvPr>
-            <p:cNvPicPr>
-              <a:picLocks noChangeAspect="1"/>
-            </p:cNvPicPr>
-            <p:nvPr/>
-          </p:nvPicPr>
-          <p:blipFill rotWithShape="1">
-            <a:blip r:embed="rId3">
-              <a:extLst>
-                <a:ext uri="{28A0092B-C50C-407E-A947-70E740481C1C}">
-                  <a14:useLocalDpi xmlns:a14="http://schemas.microsoft.com/office/drawing/2010/main" val="0"/>
-                </a:ext>
-              </a:extLst>
-            </a:blip>
-            <a:srcRect l="62942" t="73941" r="36058" b="24743"/>
-            <a:stretch/>
-          </p:blipFill>
-          <p:spPr>
-            <a:xfrm>
-              <a:off x="5061502" y="8213789"/>
-              <a:ext cx="45719" cy="62481"/>
-            </a:xfrm>
-            <a:prstGeom prst="rect">
-              <a:avLst/>
-            </a:prstGeom>
-          </p:spPr>
-        </p:pic>
-        <p:pic>
-          <p:nvPicPr>
-            <p:cNvPr id="9" name="Picture 8" descr="A picture containing graphical user interface&#10;&#10;Description automatically generated">
-              <a:extLst>
-                <a:ext uri="{FF2B5EF4-FFF2-40B4-BE49-F238E27FC236}">
-                  <a16:creationId xmlns:a16="http://schemas.microsoft.com/office/drawing/2014/main" id="{BC14B967-952D-B0CB-50F7-DF1F8EE3EED7}"/>
-                </a:ext>
-              </a:extLst>
-            </p:cNvPr>
-            <p:cNvPicPr>
-              <a:picLocks noChangeAspect="1"/>
-            </p:cNvPicPr>
-            <p:nvPr/>
-          </p:nvPicPr>
-          <p:blipFill rotWithShape="1">
-            <a:blip r:embed="rId3">
-              <a:extLst>
-                <a:ext uri="{28A0092B-C50C-407E-A947-70E740481C1C}">
-                  <a14:useLocalDpi xmlns:a14="http://schemas.microsoft.com/office/drawing/2010/main" val="0"/>
-                </a:ext>
-              </a:extLst>
-            </a:blip>
-            <a:srcRect l="85817" t="82311" r="8038" b="15181"/>
-            <a:stretch/>
-          </p:blipFill>
-          <p:spPr>
-            <a:xfrm>
-              <a:off x="4935929" y="8266222"/>
-              <a:ext cx="162718" cy="97844"/>
-            </a:xfrm>
-            <a:prstGeom prst="rect">
-              <a:avLst/>
-            </a:prstGeom>
-          </p:spPr>
-        </p:pic>
-        <p:grpSp>
-          <p:nvGrpSpPr>
-            <p:cNvPr id="10" name="Group 9">
-              <a:extLst>
-                <a:ext uri="{FF2B5EF4-FFF2-40B4-BE49-F238E27FC236}">
-                  <a16:creationId xmlns:a16="http://schemas.microsoft.com/office/drawing/2014/main" id="{43FFC155-2282-2E85-935F-36BBDA4EDED3}"/>
-                </a:ext>
-              </a:extLst>
-            </p:cNvPr>
-            <p:cNvGrpSpPr/>
-            <p:nvPr/>
-          </p:nvGrpSpPr>
-          <p:grpSpPr>
-            <a:xfrm>
-              <a:off x="3352800" y="4909418"/>
-              <a:ext cx="3470047" cy="4349307"/>
-              <a:chOff x="3400789" y="4791720"/>
-              <a:chExt cx="3470047" cy="4349307"/>
-            </a:xfrm>
-          </p:grpSpPr>
-          <p:pic>
-            <p:nvPicPr>
-              <p:cNvPr id="20" name="Picture 19">
-                <a:extLst>
-                  <a:ext uri="{FF2B5EF4-FFF2-40B4-BE49-F238E27FC236}">
-                    <a16:creationId xmlns:a16="http://schemas.microsoft.com/office/drawing/2014/main" id="{EA61B028-BBF6-181B-B1FA-1016C30F26E4}"/>
-                  </a:ext>
-                </a:extLst>
-              </p:cNvPr>
-              <p:cNvPicPr>
-                <a:picLocks noChangeAspect="1"/>
-              </p:cNvPicPr>
-              <p:nvPr/>
-            </p:nvPicPr>
-            <p:blipFill rotWithShape="1">
-              <a:blip r:embed="rId2"/>
-              <a:srcRect l="21516" t="3588"/>
-              <a:stretch/>
-            </p:blipFill>
-            <p:spPr>
-              <a:xfrm>
-                <a:off x="3400789" y="4791720"/>
-                <a:ext cx="3470047" cy="4349307"/>
-              </a:xfrm>
-              <a:prstGeom prst="rect">
-                <a:avLst/>
-              </a:prstGeom>
-            </p:spPr>
-          </p:pic>
-          <p:pic>
-            <p:nvPicPr>
-              <p:cNvPr id="22" name="Picture 21">
-                <a:extLst>
-                  <a:ext uri="{FF2B5EF4-FFF2-40B4-BE49-F238E27FC236}">
-                    <a16:creationId xmlns:a16="http://schemas.microsoft.com/office/drawing/2014/main" id="{9C8B8810-1756-2EDA-D883-FB2E8390A5C1}"/>
-                  </a:ext>
-                </a:extLst>
-              </p:cNvPr>
-              <p:cNvPicPr>
-                <a:picLocks noChangeAspect="1"/>
-              </p:cNvPicPr>
-              <p:nvPr/>
-            </p:nvPicPr>
-            <p:blipFill rotWithShape="1">
-              <a:blip r:embed="rId4"/>
-              <a:srcRect l="21763" t="6744" b="34757"/>
-              <a:stretch/>
-            </p:blipFill>
-            <p:spPr>
-              <a:xfrm>
-                <a:off x="3400789" y="4957370"/>
-                <a:ext cx="3387756" cy="2616008"/>
-              </a:xfrm>
-              <a:prstGeom prst="rect">
-                <a:avLst/>
-              </a:prstGeom>
-            </p:spPr>
-          </p:pic>
-        </p:grpSp>
-        <p:pic>
-          <p:nvPicPr>
-            <p:cNvPr id="14" name="Picture 13">
-              <a:extLst>
-                <a:ext uri="{FF2B5EF4-FFF2-40B4-BE49-F238E27FC236}">
-                  <a16:creationId xmlns:a16="http://schemas.microsoft.com/office/drawing/2014/main" id="{CF262152-771B-CA39-15D4-6EF548F37891}"/>
-                </a:ext>
-              </a:extLst>
-            </p:cNvPr>
-            <p:cNvPicPr>
-              <a:picLocks noChangeAspect="1"/>
-            </p:cNvPicPr>
-            <p:nvPr/>
-          </p:nvPicPr>
-          <p:blipFill rotWithShape="1">
-            <a:blip r:embed="rId4"/>
-            <a:srcRect l="307" t="3067" r="81604" b="34757"/>
-            <a:stretch/>
-          </p:blipFill>
-          <p:spPr>
-            <a:xfrm>
-              <a:off x="2569164" y="4909418"/>
-              <a:ext cx="783636" cy="2781659"/>
-            </a:xfrm>
-            <a:prstGeom prst="rect">
-              <a:avLst/>
-            </a:prstGeom>
-          </p:spPr>
-        </p:pic>
-      </p:grpSp>
       <p:sp>
         <p:nvSpPr>
           <p:cNvPr id="4" name="TextBox 3">
@@ -4079,13 +3851,13 @@
             <p:nvPr/>
           </p:nvPicPr>
           <p:blipFill>
-            <a:blip r:embed="rId5">
+            <a:blip r:embed="rId2">
               <a:extLst>
                 <a:ext uri="{28A0092B-C50C-407E-A947-70E740481C1C}">
                   <a14:useLocalDpi xmlns:a14="http://schemas.microsoft.com/office/drawing/2010/main" val="0"/>
                 </a:ext>
                 <a:ext uri="{96DAC541-7B7A-43D3-8B79-37D633B846F1}">
-                  <asvg:svgBlip xmlns:asvg="http://schemas.microsoft.com/office/drawing/2016/SVG/main" r:embed="rId6"/>
+                  <asvg:svgBlip xmlns:asvg="http://schemas.microsoft.com/office/drawing/2016/SVG/main" r:embed="rId3"/>
                 </a:ext>
               </a:extLst>
             </a:blip>
@@ -4118,13 +3890,13 @@
             <p:nvPr/>
           </p:nvPicPr>
           <p:blipFill>
-            <a:blip r:embed="rId7">
+            <a:blip r:embed="rId4">
               <a:extLst>
                 <a:ext uri="{28A0092B-C50C-407E-A947-70E740481C1C}">
                   <a14:useLocalDpi xmlns:a14="http://schemas.microsoft.com/office/drawing/2010/main" val="0"/>
                 </a:ext>
                 <a:ext uri="{96DAC541-7B7A-43D3-8B79-37D633B846F1}">
-                  <asvg:svgBlip xmlns:asvg="http://schemas.microsoft.com/office/drawing/2016/SVG/main" r:embed="rId8"/>
+                  <asvg:svgBlip xmlns:asvg="http://schemas.microsoft.com/office/drawing/2016/SVG/main" r:embed="rId5"/>
                 </a:ext>
               </a:extLst>
             </a:blip>
@@ -4157,13 +3929,13 @@
             <p:nvPr/>
           </p:nvPicPr>
           <p:blipFill>
-            <a:blip r:embed="rId9">
+            <a:blip r:embed="rId6">
               <a:extLst>
                 <a:ext uri="{28A0092B-C50C-407E-A947-70E740481C1C}">
                   <a14:useLocalDpi xmlns:a14="http://schemas.microsoft.com/office/drawing/2010/main" val="0"/>
                 </a:ext>
                 <a:ext uri="{96DAC541-7B7A-43D3-8B79-37D633B846F1}">
-                  <asvg:svgBlip xmlns:asvg="http://schemas.microsoft.com/office/drawing/2016/SVG/main" r:embed="rId10"/>
+                  <asvg:svgBlip xmlns:asvg="http://schemas.microsoft.com/office/drawing/2016/SVG/main" r:embed="rId7"/>
                 </a:ext>
               </a:extLst>
             </a:blip>
@@ -4196,13 +3968,13 @@
             <p:nvPr/>
           </p:nvPicPr>
           <p:blipFill>
-            <a:blip r:embed="rId11">
+            <a:blip r:embed="rId8">
               <a:extLst>
                 <a:ext uri="{28A0092B-C50C-407E-A947-70E740481C1C}">
                   <a14:useLocalDpi xmlns:a14="http://schemas.microsoft.com/office/drawing/2010/main" val="0"/>
                 </a:ext>
                 <a:ext uri="{96DAC541-7B7A-43D3-8B79-37D633B846F1}">
-                  <asvg:svgBlip xmlns:asvg="http://schemas.microsoft.com/office/drawing/2016/SVG/main" r:embed="rId12"/>
+                  <asvg:svgBlip xmlns:asvg="http://schemas.microsoft.com/office/drawing/2016/SVG/main" r:embed="rId9"/>
                 </a:ext>
               </a:extLst>
             </a:blip>
@@ -7609,7 +7381,7 @@
             <p:nvPr/>
           </p:nvPicPr>
           <p:blipFill>
-            <a:blip r:embed="rId13">
+            <a:blip r:embed="rId10">
               <a:extLst>
                 <a:ext uri="{28A0092B-C50C-407E-A947-70E740481C1C}">
                   <a14:useLocalDpi xmlns:a14="http://schemas.microsoft.com/office/drawing/2010/main" val="0"/>
@@ -8659,13 +8431,13 @@
           <p:nvPr/>
         </p:nvPicPr>
         <p:blipFill>
-          <a:blip r:embed="rId14">
+          <a:blip r:embed="rId11">
             <a:extLst>
               <a:ext uri="{28A0092B-C50C-407E-A947-70E740481C1C}">
                 <a14:useLocalDpi xmlns:a14="http://schemas.microsoft.com/office/drawing/2010/main" val="0"/>
               </a:ext>
               <a:ext uri="{96DAC541-7B7A-43D3-8B79-37D633B846F1}">
-                <asvg:svgBlip xmlns:asvg="http://schemas.microsoft.com/office/drawing/2016/SVG/main" r:embed="rId15"/>
+                <asvg:svgBlip xmlns:asvg="http://schemas.microsoft.com/office/drawing/2016/SVG/main" r:embed="rId12"/>
               </a:ext>
             </a:extLst>
           </a:blip>
@@ -8698,13 +8470,13 @@
           <p:nvPr/>
         </p:nvPicPr>
         <p:blipFill>
-          <a:blip r:embed="rId16">
+          <a:blip r:embed="rId13">
             <a:extLst>
               <a:ext uri="{28A0092B-C50C-407E-A947-70E740481C1C}">
                 <a14:useLocalDpi xmlns:a14="http://schemas.microsoft.com/office/drawing/2010/main" val="0"/>
               </a:ext>
               <a:ext uri="{96DAC541-7B7A-43D3-8B79-37D633B846F1}">
-                <asvg:svgBlip xmlns:asvg="http://schemas.microsoft.com/office/drawing/2016/SVG/main" r:embed="rId17"/>
+                <asvg:svgBlip xmlns:asvg="http://schemas.microsoft.com/office/drawing/2016/SVG/main" r:embed="rId14"/>
               </a:ext>
             </a:extLst>
           </a:blip>
@@ -8737,13 +8509,13 @@
           <p:nvPr/>
         </p:nvPicPr>
         <p:blipFill>
-          <a:blip r:embed="rId18">
+          <a:blip r:embed="rId15">
             <a:extLst>
               <a:ext uri="{28A0092B-C50C-407E-A947-70E740481C1C}">
                 <a14:useLocalDpi xmlns:a14="http://schemas.microsoft.com/office/drawing/2010/main" val="0"/>
               </a:ext>
               <a:ext uri="{96DAC541-7B7A-43D3-8B79-37D633B846F1}">
-                <asvg:svgBlip xmlns:asvg="http://schemas.microsoft.com/office/drawing/2016/SVG/main" r:embed="rId19"/>
+                <asvg:svgBlip xmlns:asvg="http://schemas.microsoft.com/office/drawing/2016/SVG/main" r:embed="rId16"/>
               </a:ext>
             </a:extLst>
           </a:blip>
@@ -8776,7 +8548,7 @@
           <p:nvPr/>
         </p:nvPicPr>
         <p:blipFill>
-          <a:blip r:embed="rId20">
+          <a:blip r:embed="rId17">
             <a:extLst>
               <a:ext uri="{28A0092B-C50C-407E-A947-70E740481C1C}">
                 <a14:useLocalDpi xmlns:a14="http://schemas.microsoft.com/office/drawing/2010/main" val="0"/>
@@ -8890,6 +8662,209 @@
           </a:p>
         </p:txBody>
       </p:sp>
+      <p:grpSp>
+        <p:nvGrpSpPr>
+          <p:cNvPr id="17" name="Group 16">
+            <a:extLst>
+              <a:ext uri="{FF2B5EF4-FFF2-40B4-BE49-F238E27FC236}">
+                <a16:creationId xmlns:a16="http://schemas.microsoft.com/office/drawing/2014/main" id="{8B95ACAC-BB83-EFF5-40E2-13CAFAA7397A}"/>
+              </a:ext>
+            </a:extLst>
+          </p:cNvPr>
+          <p:cNvGrpSpPr/>
+          <p:nvPr/>
+        </p:nvGrpSpPr>
+        <p:grpSpPr>
+          <a:xfrm>
+            <a:off x="2345670" y="4611175"/>
+            <a:ext cx="4282308" cy="4363859"/>
+            <a:chOff x="2526277" y="5018141"/>
+            <a:chExt cx="4282308" cy="4363859"/>
+          </a:xfrm>
+        </p:grpSpPr>
+        <p:grpSp>
+          <p:nvGrpSpPr>
+            <p:cNvPr id="18" name="Group 17">
+              <a:extLst>
+                <a:ext uri="{FF2B5EF4-FFF2-40B4-BE49-F238E27FC236}">
+                  <a16:creationId xmlns:a16="http://schemas.microsoft.com/office/drawing/2014/main" id="{3744C69E-1A67-F221-85C3-FDC355D6C3FC}"/>
+                </a:ext>
+              </a:extLst>
+            </p:cNvPr>
+            <p:cNvGrpSpPr/>
+            <p:nvPr/>
+          </p:nvGrpSpPr>
+          <p:grpSpPr>
+            <a:xfrm>
+              <a:off x="2750508" y="5018141"/>
+              <a:ext cx="4058077" cy="4363859"/>
+              <a:chOff x="2760032" y="5058622"/>
+              <a:chExt cx="4058077" cy="4363859"/>
+            </a:xfrm>
+          </p:grpSpPr>
+          <p:pic>
+            <p:nvPicPr>
+              <p:cNvPr id="28" name="Picture 27" descr="A picture containing graphical user interface&#10;&#10;Description automatically generated">
+                <a:extLst>
+                  <a:ext uri="{FF2B5EF4-FFF2-40B4-BE49-F238E27FC236}">
+                    <a16:creationId xmlns:a16="http://schemas.microsoft.com/office/drawing/2014/main" id="{E54352E8-8D78-7DAA-5865-8A3CBD0EFFC2}"/>
+                  </a:ext>
+                </a:extLst>
+              </p:cNvPr>
+              <p:cNvPicPr>
+                <a:picLocks noChangeAspect="1"/>
+              </p:cNvPicPr>
+              <p:nvPr/>
+            </p:nvPicPr>
+            <p:blipFill rotWithShape="1">
+              <a:blip r:embed="rId18">
+                <a:extLst>
+                  <a:ext uri="{28A0092B-C50C-407E-A947-70E740481C1C}">
+                    <a14:useLocalDpi xmlns:a14="http://schemas.microsoft.com/office/drawing/2010/main" val="0"/>
+                  </a:ext>
+                </a:extLst>
+              </a:blip>
+              <a:srcRect l="8269" t="3386"/>
+              <a:stretch/>
+            </p:blipFill>
+            <p:spPr>
+              <a:xfrm>
+                <a:off x="2787829" y="5058622"/>
+                <a:ext cx="4030280" cy="4363859"/>
+              </a:xfrm>
+              <a:prstGeom prst="rect">
+                <a:avLst/>
+              </a:prstGeom>
+            </p:spPr>
+          </p:pic>
+          <p:pic>
+            <p:nvPicPr>
+              <p:cNvPr id="30" name="Picture 29" descr="A picture containing table&#10;&#10;Description automatically generated">
+                <a:extLst>
+                  <a:ext uri="{FF2B5EF4-FFF2-40B4-BE49-F238E27FC236}">
+                    <a16:creationId xmlns:a16="http://schemas.microsoft.com/office/drawing/2014/main" id="{E9B910E8-CCA1-5EF7-8144-30B8E80A6B15}"/>
+                  </a:ext>
+                </a:extLst>
+              </p:cNvPr>
+              <p:cNvPicPr>
+                <a:picLocks noChangeAspect="1"/>
+              </p:cNvPicPr>
+              <p:nvPr/>
+            </p:nvPicPr>
+            <p:blipFill rotWithShape="1">
+              <a:blip r:embed="rId19">
+                <a:extLst>
+                  <a:ext uri="{28A0092B-C50C-407E-A947-70E740481C1C}">
+                    <a14:useLocalDpi xmlns:a14="http://schemas.microsoft.com/office/drawing/2010/main" val="0"/>
+                  </a:ext>
+                </a:extLst>
+              </a:blip>
+              <a:srcRect l="7905" t="61496"/>
+              <a:stretch/>
+            </p:blipFill>
+            <p:spPr>
+              <a:xfrm>
+                <a:off x="2760032" y="7658102"/>
+                <a:ext cx="4030280" cy="1723349"/>
+              </a:xfrm>
+              <a:prstGeom prst="rect">
+                <a:avLst/>
+              </a:prstGeom>
+            </p:spPr>
+          </p:pic>
+        </p:grpSp>
+        <p:grpSp>
+          <p:nvGrpSpPr>
+            <p:cNvPr id="19" name="Group 18">
+              <a:extLst>
+                <a:ext uri="{FF2B5EF4-FFF2-40B4-BE49-F238E27FC236}">
+                  <a16:creationId xmlns:a16="http://schemas.microsoft.com/office/drawing/2014/main" id="{C5220618-6981-1E99-BEB8-B1968292DF21}"/>
+                </a:ext>
+              </a:extLst>
+            </p:cNvPr>
+            <p:cNvGrpSpPr/>
+            <p:nvPr/>
+          </p:nvGrpSpPr>
+          <p:grpSpPr>
+            <a:xfrm>
+              <a:off x="2526277" y="5018141"/>
+              <a:ext cx="813823" cy="4322829"/>
+              <a:chOff x="2414114" y="5058622"/>
+              <a:chExt cx="813823" cy="4322829"/>
+            </a:xfrm>
+          </p:grpSpPr>
+          <p:pic>
+            <p:nvPicPr>
+              <p:cNvPr id="23" name="Picture 22" descr="A picture containing graphical user interface&#10;&#10;Description automatically generated">
+                <a:extLst>
+                  <a:ext uri="{FF2B5EF4-FFF2-40B4-BE49-F238E27FC236}">
+                    <a16:creationId xmlns:a16="http://schemas.microsoft.com/office/drawing/2014/main" id="{F430BE39-B5C5-E204-9A3B-08D81996B3D4}"/>
+                  </a:ext>
+                </a:extLst>
+              </p:cNvPr>
+              <p:cNvPicPr>
+                <a:picLocks noChangeAspect="1"/>
+              </p:cNvPicPr>
+              <p:nvPr/>
+            </p:nvPicPr>
+            <p:blipFill rotWithShape="1">
+              <a:blip r:embed="rId18">
+                <a:extLst>
+                  <a:ext uri="{28A0092B-C50C-407E-A947-70E740481C1C}">
+                    <a14:useLocalDpi xmlns:a14="http://schemas.microsoft.com/office/drawing/2010/main" val="0"/>
+                  </a:ext>
+                </a:extLst>
+              </a:blip>
+              <a:srcRect t="3386" r="81714" b="40052"/>
+              <a:stretch/>
+            </p:blipFill>
+            <p:spPr>
+              <a:xfrm>
+                <a:off x="2424541" y="5058622"/>
+                <a:ext cx="803396" cy="2554837"/>
+              </a:xfrm>
+              <a:prstGeom prst="rect">
+                <a:avLst/>
+              </a:prstGeom>
+            </p:spPr>
+          </p:pic>
+          <p:pic>
+            <p:nvPicPr>
+              <p:cNvPr id="24" name="Picture 23" descr="A picture containing table&#10;&#10;Description automatically generated">
+                <a:extLst>
+                  <a:ext uri="{FF2B5EF4-FFF2-40B4-BE49-F238E27FC236}">
+                    <a16:creationId xmlns:a16="http://schemas.microsoft.com/office/drawing/2014/main" id="{3806BA47-14CE-3563-31C0-A63BB174B4F6}"/>
+                  </a:ext>
+                </a:extLst>
+              </p:cNvPr>
+              <p:cNvPicPr>
+                <a:picLocks noChangeAspect="1"/>
+              </p:cNvPicPr>
+              <p:nvPr/>
+            </p:nvPicPr>
+            <p:blipFill rotWithShape="1">
+              <a:blip r:embed="rId19">
+                <a:extLst>
+                  <a:ext uri="{28A0092B-C50C-407E-A947-70E740481C1C}">
+                    <a14:useLocalDpi xmlns:a14="http://schemas.microsoft.com/office/drawing/2010/main" val="0"/>
+                  </a:ext>
+                </a:extLst>
+              </a:blip>
+              <a:srcRect t="61496" r="84305"/>
+              <a:stretch/>
+            </p:blipFill>
+            <p:spPr>
+              <a:xfrm>
+                <a:off x="2414114" y="7658102"/>
+                <a:ext cx="686824" cy="1723349"/>
+              </a:xfrm>
+              <a:prstGeom prst="rect">
+                <a:avLst/>
+              </a:prstGeom>
+            </p:spPr>
+          </p:pic>
+        </p:grpSp>
+      </p:grpSp>
     </p:spTree>
     <p:extLst>
       <p:ext uri="{BB962C8B-B14F-4D97-AF65-F5344CB8AC3E}">

--- a/src/CV_AlexYates_US.pptx
+++ b/src/CV_AlexYates_US.pptx
@@ -244,7 +244,7 @@
           <a:p>
             <a:fld id="{335876D0-9B75-44B5-9404-8FDAD3FB5281}" type="datetimeFigureOut">
               <a:rPr lang="en-GB" smtClean="0"/>
-              <a:t>10/11/2022</a:t>
+              <a:t>11/11/2022</a:t>
             </a:fld>
             <a:endParaRPr lang="en-GB"/>
           </a:p>
@@ -414,7 +414,7 @@
           <a:p>
             <a:fld id="{335876D0-9B75-44B5-9404-8FDAD3FB5281}" type="datetimeFigureOut">
               <a:rPr lang="en-GB" smtClean="0"/>
-              <a:t>10/11/2022</a:t>
+              <a:t>11/11/2022</a:t>
             </a:fld>
             <a:endParaRPr lang="en-GB"/>
           </a:p>
@@ -594,7 +594,7 @@
           <a:p>
             <a:fld id="{335876D0-9B75-44B5-9404-8FDAD3FB5281}" type="datetimeFigureOut">
               <a:rPr lang="en-GB" smtClean="0"/>
-              <a:t>10/11/2022</a:t>
+              <a:t>11/11/2022</a:t>
             </a:fld>
             <a:endParaRPr lang="en-GB"/>
           </a:p>
@@ -764,7 +764,7 @@
           <a:p>
             <a:fld id="{335876D0-9B75-44B5-9404-8FDAD3FB5281}" type="datetimeFigureOut">
               <a:rPr lang="en-GB" smtClean="0"/>
-              <a:t>10/11/2022</a:t>
+              <a:t>11/11/2022</a:t>
             </a:fld>
             <a:endParaRPr lang="en-GB"/>
           </a:p>
@@ -1008,7 +1008,7 @@
           <a:p>
             <a:fld id="{335876D0-9B75-44B5-9404-8FDAD3FB5281}" type="datetimeFigureOut">
               <a:rPr lang="en-GB" smtClean="0"/>
-              <a:t>10/11/2022</a:t>
+              <a:t>11/11/2022</a:t>
             </a:fld>
             <a:endParaRPr lang="en-GB"/>
           </a:p>
@@ -1240,7 +1240,7 @@
           <a:p>
             <a:fld id="{335876D0-9B75-44B5-9404-8FDAD3FB5281}" type="datetimeFigureOut">
               <a:rPr lang="en-GB" smtClean="0"/>
-              <a:t>10/11/2022</a:t>
+              <a:t>11/11/2022</a:t>
             </a:fld>
             <a:endParaRPr lang="en-GB"/>
           </a:p>
@@ -1607,7 +1607,7 @@
           <a:p>
             <a:fld id="{335876D0-9B75-44B5-9404-8FDAD3FB5281}" type="datetimeFigureOut">
               <a:rPr lang="en-GB" smtClean="0"/>
-              <a:t>10/11/2022</a:t>
+              <a:t>11/11/2022</a:t>
             </a:fld>
             <a:endParaRPr lang="en-GB"/>
           </a:p>
@@ -1725,7 +1725,7 @@
           <a:p>
             <a:fld id="{335876D0-9B75-44B5-9404-8FDAD3FB5281}" type="datetimeFigureOut">
               <a:rPr lang="en-GB" smtClean="0"/>
-              <a:t>10/11/2022</a:t>
+              <a:t>11/11/2022</a:t>
             </a:fld>
             <a:endParaRPr lang="en-GB"/>
           </a:p>
@@ -1820,7 +1820,7 @@
           <a:p>
             <a:fld id="{335876D0-9B75-44B5-9404-8FDAD3FB5281}" type="datetimeFigureOut">
               <a:rPr lang="en-GB" smtClean="0"/>
-              <a:t>10/11/2022</a:t>
+              <a:t>11/11/2022</a:t>
             </a:fld>
             <a:endParaRPr lang="en-GB"/>
           </a:p>
@@ -2097,7 +2097,7 @@
           <a:p>
             <a:fld id="{335876D0-9B75-44B5-9404-8FDAD3FB5281}" type="datetimeFigureOut">
               <a:rPr lang="en-GB" smtClean="0"/>
-              <a:t>10/11/2022</a:t>
+              <a:t>11/11/2022</a:t>
             </a:fld>
             <a:endParaRPr lang="en-GB"/>
           </a:p>
@@ -2354,7 +2354,7 @@
           <a:p>
             <a:fld id="{335876D0-9B75-44B5-9404-8FDAD3FB5281}" type="datetimeFigureOut">
               <a:rPr lang="en-GB" smtClean="0"/>
-              <a:t>10/11/2022</a:t>
+              <a:t>11/11/2022</a:t>
             </a:fld>
             <a:endParaRPr lang="en-GB"/>
           </a:p>
@@ -2567,7 +2567,7 @@
           <a:p>
             <a:fld id="{335876D0-9B75-44B5-9404-8FDAD3FB5281}" type="datetimeFigureOut">
               <a:rPr lang="en-GB" smtClean="0"/>
-              <a:t>10/11/2022</a:t>
+              <a:t>11/11/2022</a:t>
             </a:fld>
             <a:endParaRPr lang="en-GB"/>
           </a:p>
@@ -3028,8 +3028,8 @@
         </p:nvCxnSpPr>
         <p:spPr>
           <a:xfrm>
-            <a:off x="119733" y="1894849"/>
-            <a:ext cx="6592217" cy="0"/>
+            <a:off x="271257" y="1857739"/>
+            <a:ext cx="6270622" cy="0"/>
           </a:xfrm>
           <a:prstGeom prst="line">
             <a:avLst/>
@@ -3281,12 +3281,20 @@
           </a:p>
           <a:p>
             <a:r>
+              <a:rPr lang="en-GB" sz="1100" dirty="0">
+                <a:solidFill>
+                  <a:srgbClr val="262F3B"/>
+                </a:solidFill>
+              </a:rPr>
+              <a:t>Now seeks to develop tech skills/experience with major languages (</a:t>
+            </a:r>
+            <a:r>
               <a:rPr lang="en-GB" sz="1100" b="1" dirty="0">
                 <a:solidFill>
                   <a:srgbClr val="262F3B"/>
                 </a:solidFill>
               </a:rPr>
-              <a:t>Passionate learner, </a:t>
+              <a:t>C#/Java </a:t>
             </a:r>
             <a:r>
               <a:rPr lang="en-GB" sz="1100" dirty="0">
@@ -3294,7 +3302,7 @@
                   <a:srgbClr val="262F3B"/>
                 </a:solidFill>
               </a:rPr>
-              <a:t>who works best in </a:t>
+              <a:t>etc) and platforms (</a:t>
             </a:r>
             <a:r>
               <a:rPr lang="en-GB" sz="1100" b="1" dirty="0">
@@ -3302,7 +3310,7 @@
                   <a:srgbClr val="262F3B"/>
                 </a:solidFill>
               </a:rPr>
-              <a:t>cross-functional</a:t>
+              <a:t>Azure/AWS</a:t>
             </a:r>
             <a:r>
               <a:rPr lang="en-GB" sz="1100" dirty="0">
@@ -3310,23 +3318,7 @@
                   <a:srgbClr val="262F3B"/>
                 </a:solidFill>
               </a:rPr>
-              <a:t> </a:t>
-            </a:r>
-            <a:r>
-              <a:rPr lang="en-GB" sz="1100" b="1" dirty="0">
-                <a:solidFill>
-                  <a:srgbClr val="262F3B"/>
-                </a:solidFill>
-              </a:rPr>
-              <a:t>teams</a:t>
-            </a:r>
-            <a:r>
-              <a:rPr lang="en-GB" sz="1100" dirty="0">
-                <a:solidFill>
-                  <a:srgbClr val="262F3B"/>
-                </a:solidFill>
-              </a:rPr>
-              <a:t> where ideas are more easily shared, optimised, and implemented.</a:t>
+              <a:t>), within a stream-aligned or platform team.</a:t>
             </a:r>
           </a:p>
         </p:txBody>
@@ -3345,7 +3337,7 @@
         </p:nvGrpSpPr>
         <p:grpSpPr>
           <a:xfrm>
-            <a:off x="119732" y="1991219"/>
+            <a:off x="271257" y="1959869"/>
             <a:ext cx="2129396" cy="6909545"/>
             <a:chOff x="272132" y="1915018"/>
             <a:chExt cx="2129396" cy="6909545"/>
@@ -8120,8 +8112,8 @@
         </p:nvSpPr>
         <p:spPr>
           <a:xfrm>
-            <a:off x="2287108" y="1961128"/>
-            <a:ext cx="5047142" cy="2816156"/>
+            <a:off x="2370708" y="1877528"/>
+            <a:ext cx="4487292" cy="2816156"/>
           </a:xfrm>
           <a:prstGeom prst="rect">
             <a:avLst/>
@@ -8281,7 +8273,7 @@
                   <a:srgbClr val="262F3B"/>
                 </a:solidFill>
               </a:rPr>
-              <a:t>Promoted to director for showing success, responsibility, and leadership.</a:t>
+              <a:t>Promoted to director for success, responsibility, and leadership.</a:t>
             </a:r>
           </a:p>
           <a:p>
@@ -8343,7 +8335,7 @@
                   <a:srgbClr val="262F3B"/>
                 </a:solidFill>
               </a:rPr>
-              <a:t>Flourished in x-functional collaboration and tech sales/implementation.</a:t>
+              <a:t>Flourished in x-functional innovation and tech sales/implementation.</a:t>
             </a:r>
           </a:p>
           <a:p>
@@ -8371,7 +8363,23 @@
                   <a:srgbClr val="262F3B"/>
                 </a:solidFill>
               </a:rPr>
-              <a:t>Promoted to Solutions Engineer. Worked with dev team on new products.</a:t>
+              <a:t>Promoted to Solutions Engineer. Worked w/ </a:t>
+            </a:r>
+            <a:r>
+              <a:rPr lang="en-GB" sz="1100" dirty="0" err="1">
+                <a:solidFill>
+                  <a:srgbClr val="262F3B"/>
+                </a:solidFill>
+              </a:rPr>
+              <a:t>devs</a:t>
+            </a:r>
+            <a:r>
+              <a:rPr lang="en-GB" sz="1100" dirty="0">
+                <a:solidFill>
+                  <a:srgbClr val="262F3B"/>
+                </a:solidFill>
+              </a:rPr>
+              <a:t> on new products.</a:t>
             </a:r>
           </a:p>
           <a:p>
@@ -8676,8 +8684,8 @@
         </p:nvGrpSpPr>
         <p:grpSpPr>
           <a:xfrm>
-            <a:off x="2345670" y="4611175"/>
-            <a:ext cx="4282308" cy="4363859"/>
+            <a:off x="2418820" y="4611176"/>
+            <a:ext cx="4256671" cy="4337734"/>
             <a:chOff x="2526277" y="5018141"/>
             <a:chExt cx="4282308" cy="4363859"/>
           </a:xfrm>
@@ -8865,6 +8873,67 @@
           </p:pic>
         </p:grpSp>
       </p:grpSp>
+      <p:sp>
+        <p:nvSpPr>
+          <p:cNvPr id="2" name="Rectangle 1">
+            <a:extLst>
+              <a:ext uri="{FF2B5EF4-FFF2-40B4-BE49-F238E27FC236}">
+                <a16:creationId xmlns:a16="http://schemas.microsoft.com/office/drawing/2014/main" id="{BA471CA9-4A24-EE0A-3BC7-4A5AC2D53317}"/>
+              </a:ext>
+            </a:extLst>
+          </p:cNvPr>
+          <p:cNvSpPr/>
+          <p:nvPr/>
+        </p:nvSpPr>
+        <p:spPr>
+          <a:xfrm>
+            <a:off x="0" y="5291982"/>
+            <a:ext cx="2400653" cy="1108022"/>
+          </a:xfrm>
+          <a:prstGeom prst="rect">
+            <a:avLst/>
+          </a:prstGeom>
+          <a:solidFill>
+            <a:srgbClr val="FFFF00">
+              <a:alpha val="50196"/>
+            </a:srgbClr>
+          </a:solidFill>
+          <a:ln>
+            <a:noFill/>
+          </a:ln>
+        </p:spPr>
+        <p:style>
+          <a:lnRef idx="2">
+            <a:schemeClr val="accent1">
+              <a:shade val="50000"/>
+            </a:schemeClr>
+          </a:lnRef>
+          <a:fillRef idx="1">
+            <a:schemeClr val="accent1"/>
+          </a:fillRef>
+          <a:effectRef idx="0">
+            <a:schemeClr val="accent1"/>
+          </a:effectRef>
+          <a:fontRef idx="minor">
+            <a:schemeClr val="lt1"/>
+          </a:fontRef>
+        </p:style>
+        <p:txBody>
+          <a:bodyPr vert="vert270" rtlCol="0" anchor="t"/>
+          <a:lstStyle/>
+          <a:p>
+            <a:pPr algn="ctr"/>
+            <a:r>
+              <a:rPr lang="en-GB" sz="900" dirty="0">
+                <a:solidFill>
+                  <a:schemeClr val="tx1"/>
+                </a:solidFill>
+              </a:rPr>
+              <a:t>Priority growth area</a:t>
+            </a:r>
+          </a:p>
+        </p:txBody>
+      </p:sp>
     </p:spTree>
     <p:extLst>
       <p:ext uri="{BB962C8B-B14F-4D97-AF65-F5344CB8AC3E}">

--- a/src/CV_AlexYates_US.pptx
+++ b/src/CV_AlexYates_US.pptx
@@ -3600,13 +3600,13 @@
             <a:p>
               <a:r>
                 <a:rPr lang="en-GB" sz="1100" dirty="0"/>
-                <a:t>Writing</a:t>
+                <a:t>Blog/tech writing</a:t>
               </a:r>
             </a:p>
             <a:p>
               <a:r>
                 <a:rPr lang="en-GB" sz="1100" dirty="0"/>
-                <a:t>Sales</a:t>
+                <a:t>B2B sales</a:t>
               </a:r>
             </a:p>
             <a:p>

--- a/src/CV_AlexYates_US.pptx
+++ b/src/CV_AlexYates_US.pptx
@@ -244,7 +244,7 @@
           <a:p>
             <a:fld id="{335876D0-9B75-44B5-9404-8FDAD3FB5281}" type="datetimeFigureOut">
               <a:rPr lang="en-GB" smtClean="0"/>
-              <a:t>11/11/2022</a:t>
+              <a:t>20/12/2022</a:t>
             </a:fld>
             <a:endParaRPr lang="en-GB"/>
           </a:p>
@@ -414,7 +414,7 @@
           <a:p>
             <a:fld id="{335876D0-9B75-44B5-9404-8FDAD3FB5281}" type="datetimeFigureOut">
               <a:rPr lang="en-GB" smtClean="0"/>
-              <a:t>11/11/2022</a:t>
+              <a:t>20/12/2022</a:t>
             </a:fld>
             <a:endParaRPr lang="en-GB"/>
           </a:p>
@@ -594,7 +594,7 @@
           <a:p>
             <a:fld id="{335876D0-9B75-44B5-9404-8FDAD3FB5281}" type="datetimeFigureOut">
               <a:rPr lang="en-GB" smtClean="0"/>
-              <a:t>11/11/2022</a:t>
+              <a:t>20/12/2022</a:t>
             </a:fld>
             <a:endParaRPr lang="en-GB"/>
           </a:p>
@@ -764,7 +764,7 @@
           <a:p>
             <a:fld id="{335876D0-9B75-44B5-9404-8FDAD3FB5281}" type="datetimeFigureOut">
               <a:rPr lang="en-GB" smtClean="0"/>
-              <a:t>11/11/2022</a:t>
+              <a:t>20/12/2022</a:t>
             </a:fld>
             <a:endParaRPr lang="en-GB"/>
           </a:p>
@@ -1008,7 +1008,7 @@
           <a:p>
             <a:fld id="{335876D0-9B75-44B5-9404-8FDAD3FB5281}" type="datetimeFigureOut">
               <a:rPr lang="en-GB" smtClean="0"/>
-              <a:t>11/11/2022</a:t>
+              <a:t>20/12/2022</a:t>
             </a:fld>
             <a:endParaRPr lang="en-GB"/>
           </a:p>
@@ -1240,7 +1240,7 @@
           <a:p>
             <a:fld id="{335876D0-9B75-44B5-9404-8FDAD3FB5281}" type="datetimeFigureOut">
               <a:rPr lang="en-GB" smtClean="0"/>
-              <a:t>11/11/2022</a:t>
+              <a:t>20/12/2022</a:t>
             </a:fld>
             <a:endParaRPr lang="en-GB"/>
           </a:p>
@@ -1607,7 +1607,7 @@
           <a:p>
             <a:fld id="{335876D0-9B75-44B5-9404-8FDAD3FB5281}" type="datetimeFigureOut">
               <a:rPr lang="en-GB" smtClean="0"/>
-              <a:t>11/11/2022</a:t>
+              <a:t>20/12/2022</a:t>
             </a:fld>
             <a:endParaRPr lang="en-GB"/>
           </a:p>
@@ -1725,7 +1725,7 @@
           <a:p>
             <a:fld id="{335876D0-9B75-44B5-9404-8FDAD3FB5281}" type="datetimeFigureOut">
               <a:rPr lang="en-GB" smtClean="0"/>
-              <a:t>11/11/2022</a:t>
+              <a:t>20/12/2022</a:t>
             </a:fld>
             <a:endParaRPr lang="en-GB"/>
           </a:p>
@@ -1820,7 +1820,7 @@
           <a:p>
             <a:fld id="{335876D0-9B75-44B5-9404-8FDAD3FB5281}" type="datetimeFigureOut">
               <a:rPr lang="en-GB" smtClean="0"/>
-              <a:t>11/11/2022</a:t>
+              <a:t>20/12/2022</a:t>
             </a:fld>
             <a:endParaRPr lang="en-GB"/>
           </a:p>
@@ -2097,7 +2097,7 @@
           <a:p>
             <a:fld id="{335876D0-9B75-44B5-9404-8FDAD3FB5281}" type="datetimeFigureOut">
               <a:rPr lang="en-GB" smtClean="0"/>
-              <a:t>11/11/2022</a:t>
+              <a:t>20/12/2022</a:t>
             </a:fld>
             <a:endParaRPr lang="en-GB"/>
           </a:p>
@@ -2354,7 +2354,7 @@
           <a:p>
             <a:fld id="{335876D0-9B75-44B5-9404-8FDAD3FB5281}" type="datetimeFigureOut">
               <a:rPr lang="en-GB" smtClean="0"/>
-              <a:t>11/11/2022</a:t>
+              <a:t>20/12/2022</a:t>
             </a:fld>
             <a:endParaRPr lang="en-GB"/>
           </a:p>
@@ -2567,7 +2567,7 @@
           <a:p>
             <a:fld id="{335876D0-9B75-44B5-9404-8FDAD3FB5281}" type="datetimeFigureOut">
               <a:rPr lang="en-GB" smtClean="0"/>
-              <a:t>11/11/2022</a:t>
+              <a:t>20/12/2022</a:t>
             </a:fld>
             <a:endParaRPr lang="en-GB"/>
           </a:p>
@@ -3089,7 +3089,7 @@
                   <a:srgbClr val="262F3B"/>
                 </a:solidFill>
               </a:rPr>
-              <a:t>12 years of DevOps experience</a:t>
+              <a:t>Seeking: Snr DevOps/Platform Engineer role.</a:t>
             </a:r>
             <a:r>
               <a:rPr lang="en-GB" sz="1100" dirty="0">
@@ -3097,15 +3097,15 @@
                   <a:srgbClr val="262F3B"/>
                 </a:solidFill>
               </a:rPr>
-              <a:t>. Helps folks to iterate tooling, process, and culture, to improve </a:t>
+              <a:t> Hands-on with major tools (</a:t>
             </a:r>
             <a:r>
-              <a:rPr lang="en-GB" sz="1100" b="1" dirty="0">
+              <a:rPr lang="en-GB" sz="1100" dirty="0" err="1">
                 <a:solidFill>
                   <a:srgbClr val="262F3B"/>
                 </a:solidFill>
               </a:rPr>
-              <a:t>DORA metrics </a:t>
+              <a:t>IaC</a:t>
             </a:r>
             <a:r>
               <a:rPr lang="en-GB" sz="1100" dirty="0">
@@ -3113,15 +3113,32 @@
                   <a:srgbClr val="262F3B"/>
                 </a:solidFill>
               </a:rPr>
-              <a:t>and deliver </a:t>
+              <a:t>, CI/CD, observability), languages (C#, JavaScript), and platforms (Azure, AWS).</a:t>
             </a:r>
+          </a:p>
+          <a:p>
+            <a:r>
+              <a:rPr lang="en-GB" sz="400" dirty="0">
+                <a:solidFill>
+                  <a:srgbClr val="262F3B"/>
+                </a:solidFill>
+              </a:rPr>
+              <a:t> </a:t>
+            </a:r>
+            <a:endParaRPr lang="en-GB" sz="1100" dirty="0">
+              <a:solidFill>
+                <a:srgbClr val="262F3B"/>
+              </a:solidFill>
+            </a:endParaRPr>
+          </a:p>
+          <a:p>
             <a:r>
               <a:rPr lang="en-GB" sz="1100" b="1" dirty="0">
                 <a:solidFill>
                   <a:srgbClr val="262F3B"/>
                 </a:solidFill>
               </a:rPr>
-              <a:t>better business outcomes</a:t>
+              <a:t>12 years of DevOps experience:</a:t>
             </a:r>
             <a:r>
               <a:rPr lang="en-GB" sz="1100" dirty="0">
@@ -3129,7 +3146,7 @@
                   <a:srgbClr val="262F3B"/>
                 </a:solidFill>
               </a:rPr>
-              <a:t>.</a:t>
+              <a:t> Helped folks to iterate tooling, process, and culture, to improve DORA metrics, and deliver better business outcomes.</a:t>
             </a:r>
             <a:br>
               <a:rPr lang="en-GB" sz="1100" dirty="0">
@@ -3149,20 +3166,12 @@
           </a:p>
           <a:p>
             <a:r>
-              <a:rPr lang="en-GB" sz="1100" dirty="0">
-                <a:solidFill>
-                  <a:srgbClr val="262F3B"/>
-                </a:solidFill>
-              </a:rPr>
-              <a:t>Broad experience across</a:t>
-            </a:r>
-            <a:r>
               <a:rPr lang="en-GB" sz="1100" b="1" dirty="0">
                 <a:solidFill>
                   <a:srgbClr val="262F3B"/>
                 </a:solidFill>
               </a:rPr>
-              <a:t> DevOps engineering</a:t>
+              <a:t>Broad skillset:</a:t>
             </a:r>
             <a:r>
               <a:rPr lang="en-GB" sz="1100" dirty="0">
@@ -3170,155 +3179,7 @@
                   <a:srgbClr val="262F3B"/>
                 </a:solidFill>
               </a:rPr>
-              <a:t>, </a:t>
-            </a:r>
-            <a:r>
-              <a:rPr lang="en-GB" sz="1100" b="1" dirty="0">
-                <a:solidFill>
-                  <a:srgbClr val="262F3B"/>
-                </a:solidFill>
-              </a:rPr>
-              <a:t>consulting</a:t>
-            </a:r>
-            <a:r>
-              <a:rPr lang="en-GB" sz="1100" dirty="0">
-                <a:solidFill>
-                  <a:srgbClr val="262F3B"/>
-                </a:solidFill>
-              </a:rPr>
-              <a:t>,</a:t>
-            </a:r>
-            <a:r>
-              <a:rPr lang="en-GB" sz="1100" b="1" dirty="0">
-                <a:solidFill>
-                  <a:srgbClr val="262F3B"/>
-                </a:solidFill>
-              </a:rPr>
-              <a:t> training</a:t>
-            </a:r>
-            <a:r>
-              <a:rPr lang="en-GB" sz="1100" dirty="0">
-                <a:solidFill>
-                  <a:srgbClr val="262F3B"/>
-                </a:solidFill>
-              </a:rPr>
-              <a:t>, </a:t>
-            </a:r>
-            <a:r>
-              <a:rPr lang="en-GB" sz="1100" b="1" dirty="0">
-                <a:solidFill>
-                  <a:srgbClr val="262F3B"/>
-                </a:solidFill>
-              </a:rPr>
-              <a:t>coaching</a:t>
-            </a:r>
-            <a:r>
-              <a:rPr lang="en-GB" sz="1100" dirty="0">
-                <a:solidFill>
-                  <a:srgbClr val="262F3B"/>
-                </a:solidFill>
-              </a:rPr>
-              <a:t>,</a:t>
-            </a:r>
-            <a:r>
-              <a:rPr lang="en-GB" sz="1100" b="1" dirty="0">
-                <a:solidFill>
-                  <a:srgbClr val="262F3B"/>
-                </a:solidFill>
-              </a:rPr>
-              <a:t> sales/solutions engineering</a:t>
-            </a:r>
-            <a:r>
-              <a:rPr lang="en-GB" sz="1100" dirty="0">
-                <a:solidFill>
-                  <a:srgbClr val="262F3B"/>
-                </a:solidFill>
-              </a:rPr>
-              <a:t>, </a:t>
-            </a:r>
-            <a:r>
-              <a:rPr lang="en-GB" sz="1100" b="1" dirty="0">
-                <a:solidFill>
-                  <a:srgbClr val="262F3B"/>
-                </a:solidFill>
-              </a:rPr>
-              <a:t>public speaking</a:t>
-            </a:r>
-            <a:r>
-              <a:rPr lang="en-GB" sz="1100" dirty="0">
-                <a:solidFill>
-                  <a:srgbClr val="262F3B"/>
-                </a:solidFill>
-              </a:rPr>
-              <a:t>, and </a:t>
-            </a:r>
-            <a:r>
-              <a:rPr lang="en-GB" sz="1100" b="1" dirty="0">
-                <a:solidFill>
-                  <a:srgbClr val="262F3B"/>
-                </a:solidFill>
-              </a:rPr>
-              <a:t>directing companies</a:t>
-            </a:r>
-            <a:r>
-              <a:rPr lang="en-GB" sz="1100" dirty="0">
-                <a:solidFill>
-                  <a:srgbClr val="262F3B"/>
-                </a:solidFill>
-              </a:rPr>
-              <a:t>.</a:t>
-            </a:r>
-          </a:p>
-          <a:p>
-            <a:r>
-              <a:rPr lang="en-GB" sz="400" dirty="0">
-                <a:solidFill>
-                  <a:srgbClr val="262F3B"/>
-                </a:solidFill>
-              </a:rPr>
-              <a:t> </a:t>
-            </a:r>
-          </a:p>
-          <a:p>
-            <a:r>
-              <a:rPr lang="en-GB" sz="1100" dirty="0">
-                <a:solidFill>
-                  <a:srgbClr val="262F3B"/>
-                </a:solidFill>
-              </a:rPr>
-              <a:t>Now seeks to develop tech skills/experience with major languages (</a:t>
-            </a:r>
-            <a:r>
-              <a:rPr lang="en-GB" sz="1100" b="1" dirty="0">
-                <a:solidFill>
-                  <a:srgbClr val="262F3B"/>
-                </a:solidFill>
-              </a:rPr>
-              <a:t>C#/Java </a:t>
-            </a:r>
-            <a:r>
-              <a:rPr lang="en-GB" sz="1100" dirty="0">
-                <a:solidFill>
-                  <a:srgbClr val="262F3B"/>
-                </a:solidFill>
-              </a:rPr>
-              <a:t>etc) and platforms (</a:t>
-            </a:r>
-            <a:r>
-              <a:rPr lang="en-GB" sz="1100" b="1" dirty="0">
-                <a:solidFill>
-                  <a:srgbClr val="262F3B"/>
-                </a:solidFill>
-              </a:rPr>
-              <a:t>Azure/AWS</a:t>
-            </a:r>
-            <a:r>
-              <a:rPr lang="en-GB" sz="1100" dirty="0">
-                <a:solidFill>
-                  <a:srgbClr val="262F3B"/>
-                </a:solidFill>
-              </a:rPr>
-              <a:t>), within a stream-aligned or platform team.</a:t>
+              <a:t> DevOps engineering, consulting, training, coaching, solutions engineering, public speaking, sales, marketing, and business management.</a:t>
             </a:r>
           </a:p>
         </p:txBody>
@@ -3616,38 +3477,48 @@
                 </a:spcBef>
               </a:pPr>
               <a:r>
-                <a:rPr lang="en-GB" sz="1100" dirty="0"/>
-                <a:t>SDLC and CI/CD tools</a:t>
+                <a:rPr lang="en-GB" sz="1100" dirty="0" err="1"/>
+                <a:t>Redgate,Flyway,SSDT</a:t>
               </a:r>
-            </a:p>
-            <a:p>
               <a:r>
                 <a:rPr lang="en-GB" sz="1100" dirty="0"/>
-                <a:t>Database delivery</a:t>
+                <a:t> </a:t>
               </a:r>
-            </a:p>
-            <a:p>
+              <a:br>
+                <a:rPr lang="en-GB" sz="1100" dirty="0"/>
+              </a:br>
               <a:r>
                 <a:rPr lang="en-GB" sz="1100" dirty="0"/>
-                <a:t>T-SQL, PowerShell</a:t>
+                <a:t>ADO, Octopus Deploy</a:t>
               </a:r>
             </a:p>
             <a:p>
               <a:r>
                 <a:rPr lang="en-GB" sz="1100" dirty="0"/>
-                <a:t>C#, Git</a:t>
+                <a:t>TeamCity, Jenkins</a:t>
               </a:r>
             </a:p>
             <a:p>
               <a:r>
                 <a:rPr lang="en-GB" sz="1100" dirty="0"/>
-                <a:t>AWS, Azure</a:t>
+                <a:t>Git, C#, T-SQL, </a:t>
               </a:r>
+              <a:r>
+                <a:rPr lang="en-GB" sz="1100" dirty="0" err="1"/>
+                <a:t>PoSh</a:t>
+              </a:r>
+              <a:endParaRPr lang="en-GB" sz="1100" dirty="0"/>
             </a:p>
             <a:p>
               <a:r>
                 <a:rPr lang="en-GB" sz="1100" dirty="0"/>
-                <a:t>C#, Java, JavaScript</a:t>
+                <a:t>AWS (EC2/Lambda)</a:t>
+              </a:r>
+            </a:p>
+            <a:p>
+              <a:r>
+                <a:rPr lang="en-GB" sz="1100" dirty="0"/>
+                <a:t>Java, JavaScript</a:t>
               </a:r>
             </a:p>
             <a:p>
@@ -8113,7 +7984,7 @@
         <p:spPr>
           <a:xfrm>
             <a:off x="2370708" y="1877528"/>
-            <a:ext cx="4487292" cy="2816156"/>
+            <a:ext cx="4487292" cy="2831544"/>
           </a:xfrm>
           <a:prstGeom prst="rect">
             <a:avLst/>
@@ -8176,6 +8047,36 @@
                   <a:srgbClr val="262F3B"/>
                 </a:solidFill>
               </a:rPr>
+              <a:t>T-SQL CI/CD,  Test Data </a:t>
+            </a:r>
+            <a:r>
+              <a:rPr lang="en-GB" sz="1100" dirty="0" err="1">
+                <a:solidFill>
+                  <a:srgbClr val="262F3B"/>
+                </a:solidFill>
+              </a:rPr>
+              <a:t>Mgmt</a:t>
+            </a:r>
+            <a:r>
+              <a:rPr lang="en-GB" sz="1100" dirty="0">
+                <a:solidFill>
+                  <a:srgbClr val="262F3B"/>
+                </a:solidFill>
+              </a:rPr>
+              <a:t>, Azure DevOps (ADO), Octopus Deploy.</a:t>
+            </a:r>
+          </a:p>
+          <a:p>
+            <a:pPr marL="171450" indent="-171450">
+              <a:buFont typeface="Arial" panose="020B0604020202020204" pitchFamily="34" charset="0"/>
+              <a:buChar char="•"/>
+            </a:pPr>
+            <a:r>
+              <a:rPr lang="en-GB" sz="1100" dirty="0">
+                <a:solidFill>
+                  <a:srgbClr val="262F3B"/>
+                </a:solidFill>
+              </a:rPr>
               <a:t>Significantly reduced customers’ risk and lead time for SQL changes.</a:t>
             </a:r>
           </a:p>
@@ -8204,18 +8105,13 @@
                   <a:srgbClr val="262F3B"/>
                 </a:solidFill>
               </a:rPr>
-              <a:t>More detailed customer testimonials on the following page.</a:t>
+              <a:t>Customer testimonials on the following page.</a:t>
             </a:r>
-          </a:p>
-          <a:p>
-            <a:r>
-              <a:rPr lang="en-GB" sz="400" dirty="0">
-                <a:solidFill>
-                  <a:srgbClr val="262F3B"/>
-                </a:solidFill>
-              </a:rPr>
-              <a:t>  </a:t>
-            </a:r>
+            <a:endParaRPr lang="en-GB" sz="500" dirty="0">
+              <a:solidFill>
+                <a:srgbClr val="262F3B"/>
+              </a:solidFill>
+            </a:endParaRPr>
           </a:p>
           <a:p>
             <a:r>
@@ -8273,18 +8169,13 @@
                   <a:srgbClr val="262F3B"/>
                 </a:solidFill>
               </a:rPr>
-              <a:t>Promoted to director for success, responsibility, and leadership.</a:t>
+              <a:t>Promoted to director for performance, responsibility, and leadership.</a:t>
             </a:r>
-          </a:p>
-          <a:p>
-            <a:r>
-              <a:rPr lang="en-GB" sz="400" dirty="0">
-                <a:solidFill>
-                  <a:srgbClr val="262F3B"/>
-                </a:solidFill>
-              </a:rPr>
-              <a:t> </a:t>
-            </a:r>
+            <a:endParaRPr lang="en-GB" sz="500" dirty="0">
+              <a:solidFill>
+                <a:srgbClr val="262F3B"/>
+              </a:solidFill>
+            </a:endParaRPr>
           </a:p>
           <a:p>
             <a:r>
@@ -8335,7 +8226,7 @@
                   <a:srgbClr val="262F3B"/>
                 </a:solidFill>
               </a:rPr>
-              <a:t>Flourished in x-functional innovation and tech sales/implementation.</a:t>
+              <a:t>Flourished at x-functional innovation and tech sales/implementation.</a:t>
             </a:r>
           </a:p>
           <a:p>
@@ -8363,23 +8254,7 @@
                   <a:srgbClr val="262F3B"/>
                 </a:solidFill>
               </a:rPr>
-              <a:t>Promoted to Solutions Engineer. Worked w/ </a:t>
-            </a:r>
-            <a:r>
-              <a:rPr lang="en-GB" sz="1100" dirty="0" err="1">
-                <a:solidFill>
-                  <a:srgbClr val="262F3B"/>
-                </a:solidFill>
-              </a:rPr>
-              <a:t>devs</a:t>
-            </a:r>
-            <a:r>
-              <a:rPr lang="en-GB" sz="1100" dirty="0">
-                <a:solidFill>
-                  <a:srgbClr val="262F3B"/>
-                </a:solidFill>
-              </a:rPr>
-              <a:t> on new products.</a:t>
+              <a:t>Promoted to Solutions Engineer. Worked w/ dev team on new products.</a:t>
             </a:r>
           </a:p>
           <a:p>
@@ -8398,18 +8273,13 @@
           </a:p>
           <a:p>
             <a:r>
-              <a:rPr lang="en-GB" sz="400" dirty="0">
+              <a:rPr lang="en-GB" sz="500" dirty="0">
                 <a:solidFill>
                   <a:srgbClr val="262F3B"/>
                 </a:solidFill>
               </a:rPr>
               <a:t> </a:t>
             </a:r>
-            <a:endParaRPr lang="en-GB" sz="1050" dirty="0">
-              <a:solidFill>
-                <a:srgbClr val="262F3B"/>
-              </a:solidFill>
-            </a:endParaRPr>
           </a:p>
           <a:p>
             <a:r>
@@ -8633,8 +8503,23 @@
                 </a:solidFill>
                 <a:latin typeface="Gill Sans Nova" panose="020B0602020104020203" pitchFamily="34" charset="0"/>
               </a:rPr>
-              <a:t>github.com/Alex-Yates/curriculum-vitae</a:t>
+              <a:t>github.com/Alex-Yates/</a:t>
             </a:r>
+            <a:r>
+              <a:rPr lang="en-GB" sz="1100" dirty="0" err="1">
+                <a:solidFill>
+                  <a:srgbClr val="262F3B"/>
+                </a:solidFill>
+                <a:latin typeface="Gill Sans Nova" panose="020B0602020104020203" pitchFamily="34" charset="0"/>
+              </a:rPr>
+              <a:t>WordleEngine</a:t>
+            </a:r>
+            <a:endParaRPr lang="en-GB" sz="1100" dirty="0">
+              <a:solidFill>
+                <a:srgbClr val="262F3B"/>
+              </a:solidFill>
+              <a:latin typeface="Gill Sans Nova" panose="020B0602020104020203" pitchFamily="34" charset="0"/>
+            </a:endParaRPr>
           </a:p>
           <a:p>
             <a:pPr>
@@ -8649,7 +8534,7 @@
                 </a:solidFill>
                 <a:latin typeface="Gill Sans Nova" panose="020B0602020104020203" pitchFamily="34" charset="0"/>
               </a:rPr>
-              <a:t>07762618250</a:t>
+              <a:t>+44 (0)7762618250</a:t>
             </a:r>
           </a:p>
           <a:p>
@@ -8684,7 +8569,7 @@
         </p:nvGrpSpPr>
         <p:grpSpPr>
           <a:xfrm>
-            <a:off x="2418820" y="4611176"/>
+            <a:off x="2418820" y="4600666"/>
             <a:ext cx="4256671" cy="4337734"/>
             <a:chOff x="2526277" y="5018141"/>
             <a:chExt cx="4282308" cy="4363859"/>
